--- a/ppt 16-9/0327.与主一同复活.pptx
+++ b/ppt 16-9/0327.与主一同复活.pptx
@@ -129,7 +129,7 @@
           <p:cNvPr id="2" name="标题 1">
             <a:extLst>
               <a:ext uri="{FF2B5EF4-FFF2-40B4-BE49-F238E27FC236}">
-                <a16:creationId xmlns:a16="http://schemas.microsoft.com/office/drawing/2014/main" id="{C3C2607F-744A-7A14-B80D-BBDBEDB79921}"/>
+                <a16:creationId xmlns:a16="http://schemas.microsoft.com/office/drawing/2014/main" id="{F89D3F9B-87AD-BD81-35F7-9EAE115D7288}"/>
               </a:ext>
             </a:extLst>
           </p:cNvPr>
@@ -166,7 +166,7 @@
           <p:cNvPr id="3" name="副标题 2">
             <a:extLst>
               <a:ext uri="{FF2B5EF4-FFF2-40B4-BE49-F238E27FC236}">
-                <a16:creationId xmlns:a16="http://schemas.microsoft.com/office/drawing/2014/main" id="{C3651524-ED52-EDA7-1239-53C7013C3E1A}"/>
+                <a16:creationId xmlns:a16="http://schemas.microsoft.com/office/drawing/2014/main" id="{EE12A5AC-E4A3-299C-0C2B-811C13F815F9}"/>
               </a:ext>
             </a:extLst>
           </p:cNvPr>
@@ -236,7 +236,7 @@
           <p:cNvPr id="4" name="日期占位符 3">
             <a:extLst>
               <a:ext uri="{FF2B5EF4-FFF2-40B4-BE49-F238E27FC236}">
-                <a16:creationId xmlns:a16="http://schemas.microsoft.com/office/drawing/2014/main" id="{116F7286-36D0-CD01-58CE-AFF7DC24462E}"/>
+                <a16:creationId xmlns:a16="http://schemas.microsoft.com/office/drawing/2014/main" id="{20593CC6-577C-896C-9AE3-8D3E507F9D42}"/>
               </a:ext>
             </a:extLst>
           </p:cNvPr>
@@ -252,7 +252,7 @@
           <a:bodyPr/>
           <a:lstStyle/>
           <a:p>
-            <a:fld id="{C4CE1C34-35F4-47B6-A406-67D3D0C414A5}" type="datetimeFigureOut">
+            <a:fld id="{C7C67D3D-618F-4F07-AE4B-AEF72F4D18A0}" type="datetimeFigureOut">
               <a:rPr lang="zh-CN" altLang="en-US" smtClean="0"/>
               <a:t>2024/3/10</a:t>
             </a:fld>
@@ -265,7 +265,7 @@
           <p:cNvPr id="5" name="页脚占位符 4">
             <a:extLst>
               <a:ext uri="{FF2B5EF4-FFF2-40B4-BE49-F238E27FC236}">
-                <a16:creationId xmlns:a16="http://schemas.microsoft.com/office/drawing/2014/main" id="{F341107D-4030-8A69-4AC2-6A3345C7A6F0}"/>
+                <a16:creationId xmlns:a16="http://schemas.microsoft.com/office/drawing/2014/main" id="{1902208E-49C5-C41F-DDF3-3D1C19E5525F}"/>
               </a:ext>
             </a:extLst>
           </p:cNvPr>
@@ -290,7 +290,7 @@
           <p:cNvPr id="6" name="灯片编号占位符 5">
             <a:extLst>
               <a:ext uri="{FF2B5EF4-FFF2-40B4-BE49-F238E27FC236}">
-                <a16:creationId xmlns:a16="http://schemas.microsoft.com/office/drawing/2014/main" id="{4EC15244-6260-7483-6C27-C4DD7B9EE318}"/>
+                <a16:creationId xmlns:a16="http://schemas.microsoft.com/office/drawing/2014/main" id="{638FCBAD-2AD3-F351-E0CD-B6DC10F0E5CC}"/>
               </a:ext>
             </a:extLst>
           </p:cNvPr>
@@ -306,7 +306,7 @@
           <a:bodyPr/>
           <a:lstStyle/>
           <a:p>
-            <a:fld id="{7B93CEB6-840A-47AF-858D-14B128E2E7D9}" type="slidenum">
+            <a:fld id="{549D91FA-B109-4A90-9D69-A348CD765F44}" type="slidenum">
               <a:rPr lang="zh-CN" altLang="en-US" smtClean="0"/>
               <a:t>‹#›</a:t>
             </a:fld>
@@ -317,7 +317,7 @@
     </p:spTree>
     <p:extLst>
       <p:ext uri="{BB962C8B-B14F-4D97-AF65-F5344CB8AC3E}">
-        <p14:creationId xmlns:p14="http://schemas.microsoft.com/office/powerpoint/2010/main" val="2606289694"/>
+        <p14:creationId xmlns:p14="http://schemas.microsoft.com/office/powerpoint/2010/main" val="2742597765"/>
       </p:ext>
     </p:extLst>
   </p:cSld>
@@ -349,7 +349,7 @@
           <p:cNvPr id="2" name="标题 1">
             <a:extLst>
               <a:ext uri="{FF2B5EF4-FFF2-40B4-BE49-F238E27FC236}">
-                <a16:creationId xmlns:a16="http://schemas.microsoft.com/office/drawing/2014/main" id="{C5152111-463B-05DA-2912-5FC26A03A812}"/>
+                <a16:creationId xmlns:a16="http://schemas.microsoft.com/office/drawing/2014/main" id="{32D1B67A-76FD-693B-5208-EA4E8C48CA8B}"/>
               </a:ext>
             </a:extLst>
           </p:cNvPr>
@@ -377,7 +377,7 @@
           <p:cNvPr id="3" name="竖排文字占位符 2">
             <a:extLst>
               <a:ext uri="{FF2B5EF4-FFF2-40B4-BE49-F238E27FC236}">
-                <a16:creationId xmlns:a16="http://schemas.microsoft.com/office/drawing/2014/main" id="{00A07D44-9DC0-AB72-689A-01908A922201}"/>
+                <a16:creationId xmlns:a16="http://schemas.microsoft.com/office/drawing/2014/main" id="{1211D999-C4CB-0C2E-F136-7EFFC6D09429}"/>
               </a:ext>
             </a:extLst>
           </p:cNvPr>
@@ -434,7 +434,7 @@
           <p:cNvPr id="4" name="日期占位符 3">
             <a:extLst>
               <a:ext uri="{FF2B5EF4-FFF2-40B4-BE49-F238E27FC236}">
-                <a16:creationId xmlns:a16="http://schemas.microsoft.com/office/drawing/2014/main" id="{A31AAF28-4789-495C-D0A1-B1EAFCD058B3}"/>
+                <a16:creationId xmlns:a16="http://schemas.microsoft.com/office/drawing/2014/main" id="{C7FB2C5E-D24E-8C25-62EB-667CC571BA3D}"/>
               </a:ext>
             </a:extLst>
           </p:cNvPr>
@@ -450,7 +450,7 @@
           <a:bodyPr/>
           <a:lstStyle/>
           <a:p>
-            <a:fld id="{C4CE1C34-35F4-47B6-A406-67D3D0C414A5}" type="datetimeFigureOut">
+            <a:fld id="{C7C67D3D-618F-4F07-AE4B-AEF72F4D18A0}" type="datetimeFigureOut">
               <a:rPr lang="zh-CN" altLang="en-US" smtClean="0"/>
               <a:t>2024/3/10</a:t>
             </a:fld>
@@ -463,7 +463,7 @@
           <p:cNvPr id="5" name="页脚占位符 4">
             <a:extLst>
               <a:ext uri="{FF2B5EF4-FFF2-40B4-BE49-F238E27FC236}">
-                <a16:creationId xmlns:a16="http://schemas.microsoft.com/office/drawing/2014/main" id="{A760B386-2E8C-9029-D021-66F3D713B936}"/>
+                <a16:creationId xmlns:a16="http://schemas.microsoft.com/office/drawing/2014/main" id="{70AD1C98-D8FD-E6F5-4D52-EE5181676431}"/>
               </a:ext>
             </a:extLst>
           </p:cNvPr>
@@ -488,7 +488,7 @@
           <p:cNvPr id="6" name="灯片编号占位符 5">
             <a:extLst>
               <a:ext uri="{FF2B5EF4-FFF2-40B4-BE49-F238E27FC236}">
-                <a16:creationId xmlns:a16="http://schemas.microsoft.com/office/drawing/2014/main" id="{C50B57A0-315D-36AE-BF16-EFC5C3629D62}"/>
+                <a16:creationId xmlns:a16="http://schemas.microsoft.com/office/drawing/2014/main" id="{D1759C03-C7E9-BB28-B432-8B7B45E41B9A}"/>
               </a:ext>
             </a:extLst>
           </p:cNvPr>
@@ -504,7 +504,7 @@
           <a:bodyPr/>
           <a:lstStyle/>
           <a:p>
-            <a:fld id="{7B93CEB6-840A-47AF-858D-14B128E2E7D9}" type="slidenum">
+            <a:fld id="{549D91FA-B109-4A90-9D69-A348CD765F44}" type="slidenum">
               <a:rPr lang="zh-CN" altLang="en-US" smtClean="0"/>
               <a:t>‹#›</a:t>
             </a:fld>
@@ -515,7 +515,7 @@
     </p:spTree>
     <p:extLst>
       <p:ext uri="{BB962C8B-B14F-4D97-AF65-F5344CB8AC3E}">
-        <p14:creationId xmlns:p14="http://schemas.microsoft.com/office/powerpoint/2010/main" val="2218435839"/>
+        <p14:creationId xmlns:p14="http://schemas.microsoft.com/office/powerpoint/2010/main" val="1756321811"/>
       </p:ext>
     </p:extLst>
   </p:cSld>
@@ -547,7 +547,7 @@
           <p:cNvPr id="2" name="竖排标题 1">
             <a:extLst>
               <a:ext uri="{FF2B5EF4-FFF2-40B4-BE49-F238E27FC236}">
-                <a16:creationId xmlns:a16="http://schemas.microsoft.com/office/drawing/2014/main" id="{AFCA7218-86D6-1F49-D7C2-AED4BA5C02FF}"/>
+                <a16:creationId xmlns:a16="http://schemas.microsoft.com/office/drawing/2014/main" id="{8CE103EA-24A1-9275-0785-5C652A781789}"/>
               </a:ext>
             </a:extLst>
           </p:cNvPr>
@@ -580,7 +580,7 @@
           <p:cNvPr id="3" name="竖排文字占位符 2">
             <a:extLst>
               <a:ext uri="{FF2B5EF4-FFF2-40B4-BE49-F238E27FC236}">
-                <a16:creationId xmlns:a16="http://schemas.microsoft.com/office/drawing/2014/main" id="{5AC4FA71-3CA3-4D24-F5DA-62029D17AB7E}"/>
+                <a16:creationId xmlns:a16="http://schemas.microsoft.com/office/drawing/2014/main" id="{EE125B83-2A15-E7E6-F07B-8AE4CB6935FE}"/>
               </a:ext>
             </a:extLst>
           </p:cNvPr>
@@ -642,7 +642,7 @@
           <p:cNvPr id="4" name="日期占位符 3">
             <a:extLst>
               <a:ext uri="{FF2B5EF4-FFF2-40B4-BE49-F238E27FC236}">
-                <a16:creationId xmlns:a16="http://schemas.microsoft.com/office/drawing/2014/main" id="{70D37A6B-9C8C-F880-53C3-956E95374872}"/>
+                <a16:creationId xmlns:a16="http://schemas.microsoft.com/office/drawing/2014/main" id="{3A06D5B0-62D9-5E0A-A379-54E17D469453}"/>
               </a:ext>
             </a:extLst>
           </p:cNvPr>
@@ -658,7 +658,7 @@
           <a:bodyPr/>
           <a:lstStyle/>
           <a:p>
-            <a:fld id="{C4CE1C34-35F4-47B6-A406-67D3D0C414A5}" type="datetimeFigureOut">
+            <a:fld id="{C7C67D3D-618F-4F07-AE4B-AEF72F4D18A0}" type="datetimeFigureOut">
               <a:rPr lang="zh-CN" altLang="en-US" smtClean="0"/>
               <a:t>2024/3/10</a:t>
             </a:fld>
@@ -671,7 +671,7 @@
           <p:cNvPr id="5" name="页脚占位符 4">
             <a:extLst>
               <a:ext uri="{FF2B5EF4-FFF2-40B4-BE49-F238E27FC236}">
-                <a16:creationId xmlns:a16="http://schemas.microsoft.com/office/drawing/2014/main" id="{FD69E622-19C0-5FF2-09EE-78D7C3AAB7F4}"/>
+                <a16:creationId xmlns:a16="http://schemas.microsoft.com/office/drawing/2014/main" id="{51E449E2-1B82-14BD-A049-062853C43B37}"/>
               </a:ext>
             </a:extLst>
           </p:cNvPr>
@@ -696,7 +696,7 @@
           <p:cNvPr id="6" name="灯片编号占位符 5">
             <a:extLst>
               <a:ext uri="{FF2B5EF4-FFF2-40B4-BE49-F238E27FC236}">
-                <a16:creationId xmlns:a16="http://schemas.microsoft.com/office/drawing/2014/main" id="{EBE7CD10-EF16-ED8D-F110-852A884A041A}"/>
+                <a16:creationId xmlns:a16="http://schemas.microsoft.com/office/drawing/2014/main" id="{EF672C7A-4CCB-CCD3-7136-41384D31FBF3}"/>
               </a:ext>
             </a:extLst>
           </p:cNvPr>
@@ -712,7 +712,7 @@
           <a:bodyPr/>
           <a:lstStyle/>
           <a:p>
-            <a:fld id="{7B93CEB6-840A-47AF-858D-14B128E2E7D9}" type="slidenum">
+            <a:fld id="{549D91FA-B109-4A90-9D69-A348CD765F44}" type="slidenum">
               <a:rPr lang="zh-CN" altLang="en-US" smtClean="0"/>
               <a:t>‹#›</a:t>
             </a:fld>
@@ -723,7 +723,7 @@
     </p:spTree>
     <p:extLst>
       <p:ext uri="{BB962C8B-B14F-4D97-AF65-F5344CB8AC3E}">
-        <p14:creationId xmlns:p14="http://schemas.microsoft.com/office/powerpoint/2010/main" val="2648543640"/>
+        <p14:creationId xmlns:p14="http://schemas.microsoft.com/office/powerpoint/2010/main" val="398903552"/>
       </p:ext>
     </p:extLst>
   </p:cSld>
@@ -755,7 +755,7 @@
           <p:cNvPr id="2" name="标题 1">
             <a:extLst>
               <a:ext uri="{FF2B5EF4-FFF2-40B4-BE49-F238E27FC236}">
-                <a16:creationId xmlns:a16="http://schemas.microsoft.com/office/drawing/2014/main" id="{4EABBD6A-A362-1FD5-0625-FA2068ECE22B}"/>
+                <a16:creationId xmlns:a16="http://schemas.microsoft.com/office/drawing/2014/main" id="{44A5C09E-1102-5D0F-1332-4059FA4FFE60}"/>
               </a:ext>
             </a:extLst>
           </p:cNvPr>
@@ -783,7 +783,7 @@
           <p:cNvPr id="3" name="内容占位符 2">
             <a:extLst>
               <a:ext uri="{FF2B5EF4-FFF2-40B4-BE49-F238E27FC236}">
-                <a16:creationId xmlns:a16="http://schemas.microsoft.com/office/drawing/2014/main" id="{6DCD0C54-7A17-5CDD-A744-08C1F5FF9802}"/>
+                <a16:creationId xmlns:a16="http://schemas.microsoft.com/office/drawing/2014/main" id="{3D85B5B6-3679-C5C0-53F4-B5ED21BC9C5F}"/>
               </a:ext>
             </a:extLst>
           </p:cNvPr>
@@ -840,7 +840,7 @@
           <p:cNvPr id="4" name="日期占位符 3">
             <a:extLst>
               <a:ext uri="{FF2B5EF4-FFF2-40B4-BE49-F238E27FC236}">
-                <a16:creationId xmlns:a16="http://schemas.microsoft.com/office/drawing/2014/main" id="{019AD460-4BF6-5040-F1FD-EF288CACE833}"/>
+                <a16:creationId xmlns:a16="http://schemas.microsoft.com/office/drawing/2014/main" id="{FB30E38C-2A63-36B5-26B7-B42206FA5FA2}"/>
               </a:ext>
             </a:extLst>
           </p:cNvPr>
@@ -856,7 +856,7 @@
           <a:bodyPr/>
           <a:lstStyle/>
           <a:p>
-            <a:fld id="{C4CE1C34-35F4-47B6-A406-67D3D0C414A5}" type="datetimeFigureOut">
+            <a:fld id="{C7C67D3D-618F-4F07-AE4B-AEF72F4D18A0}" type="datetimeFigureOut">
               <a:rPr lang="zh-CN" altLang="en-US" smtClean="0"/>
               <a:t>2024/3/10</a:t>
             </a:fld>
@@ -869,7 +869,7 @@
           <p:cNvPr id="5" name="页脚占位符 4">
             <a:extLst>
               <a:ext uri="{FF2B5EF4-FFF2-40B4-BE49-F238E27FC236}">
-                <a16:creationId xmlns:a16="http://schemas.microsoft.com/office/drawing/2014/main" id="{54569FF3-C86E-DEFD-A427-F7EF173AB6B6}"/>
+                <a16:creationId xmlns:a16="http://schemas.microsoft.com/office/drawing/2014/main" id="{9D27B8FB-B0E2-1F18-EF88-FFBEFA384B49}"/>
               </a:ext>
             </a:extLst>
           </p:cNvPr>
@@ -894,7 +894,7 @@
           <p:cNvPr id="6" name="灯片编号占位符 5">
             <a:extLst>
               <a:ext uri="{FF2B5EF4-FFF2-40B4-BE49-F238E27FC236}">
-                <a16:creationId xmlns:a16="http://schemas.microsoft.com/office/drawing/2014/main" id="{DF0B9654-F7A3-790A-9D4A-BDAB1150D3E4}"/>
+                <a16:creationId xmlns:a16="http://schemas.microsoft.com/office/drawing/2014/main" id="{2F678D7F-B838-2200-055A-75D15C81BA25}"/>
               </a:ext>
             </a:extLst>
           </p:cNvPr>
@@ -910,7 +910,7 @@
           <a:bodyPr/>
           <a:lstStyle/>
           <a:p>
-            <a:fld id="{7B93CEB6-840A-47AF-858D-14B128E2E7D9}" type="slidenum">
+            <a:fld id="{549D91FA-B109-4A90-9D69-A348CD765F44}" type="slidenum">
               <a:rPr lang="zh-CN" altLang="en-US" smtClean="0"/>
               <a:t>‹#›</a:t>
             </a:fld>
@@ -921,7 +921,7 @@
     </p:spTree>
     <p:extLst>
       <p:ext uri="{BB962C8B-B14F-4D97-AF65-F5344CB8AC3E}">
-        <p14:creationId xmlns:p14="http://schemas.microsoft.com/office/powerpoint/2010/main" val="268305380"/>
+        <p14:creationId xmlns:p14="http://schemas.microsoft.com/office/powerpoint/2010/main" val="1029969439"/>
       </p:ext>
     </p:extLst>
   </p:cSld>
@@ -953,7 +953,7 @@
           <p:cNvPr id="2" name="标题 1">
             <a:extLst>
               <a:ext uri="{FF2B5EF4-FFF2-40B4-BE49-F238E27FC236}">
-                <a16:creationId xmlns:a16="http://schemas.microsoft.com/office/drawing/2014/main" id="{5B82D77B-E31A-C2B8-7C3B-4E01C2F3619B}"/>
+                <a16:creationId xmlns:a16="http://schemas.microsoft.com/office/drawing/2014/main" id="{94E94F95-CEBB-49AD-173A-65EC5C55D84A}"/>
               </a:ext>
             </a:extLst>
           </p:cNvPr>
@@ -990,7 +990,7 @@
           <p:cNvPr id="3" name="文本占位符 2">
             <a:extLst>
               <a:ext uri="{FF2B5EF4-FFF2-40B4-BE49-F238E27FC236}">
-                <a16:creationId xmlns:a16="http://schemas.microsoft.com/office/drawing/2014/main" id="{661DF517-A5A1-9677-9F9F-529637F9A55A}"/>
+                <a16:creationId xmlns:a16="http://schemas.microsoft.com/office/drawing/2014/main" id="{C843CC72-4C7A-29E3-9661-1E2664E562E8}"/>
               </a:ext>
             </a:extLst>
           </p:cNvPr>
@@ -1115,7 +1115,7 @@
           <p:cNvPr id="4" name="日期占位符 3">
             <a:extLst>
               <a:ext uri="{FF2B5EF4-FFF2-40B4-BE49-F238E27FC236}">
-                <a16:creationId xmlns:a16="http://schemas.microsoft.com/office/drawing/2014/main" id="{16503CC2-74E2-B8F7-E73D-769F86490B1A}"/>
+                <a16:creationId xmlns:a16="http://schemas.microsoft.com/office/drawing/2014/main" id="{FC581609-BE9F-F502-DD63-572AF9157426}"/>
               </a:ext>
             </a:extLst>
           </p:cNvPr>
@@ -1131,7 +1131,7 @@
           <a:bodyPr/>
           <a:lstStyle/>
           <a:p>
-            <a:fld id="{C4CE1C34-35F4-47B6-A406-67D3D0C414A5}" type="datetimeFigureOut">
+            <a:fld id="{C7C67D3D-618F-4F07-AE4B-AEF72F4D18A0}" type="datetimeFigureOut">
               <a:rPr lang="zh-CN" altLang="en-US" smtClean="0"/>
               <a:t>2024/3/10</a:t>
             </a:fld>
@@ -1144,7 +1144,7 @@
           <p:cNvPr id="5" name="页脚占位符 4">
             <a:extLst>
               <a:ext uri="{FF2B5EF4-FFF2-40B4-BE49-F238E27FC236}">
-                <a16:creationId xmlns:a16="http://schemas.microsoft.com/office/drawing/2014/main" id="{CC66EFD8-DE42-0C1F-79E5-569C9F984B50}"/>
+                <a16:creationId xmlns:a16="http://schemas.microsoft.com/office/drawing/2014/main" id="{AEC3510B-075F-1E4F-117B-73CCC6B59550}"/>
               </a:ext>
             </a:extLst>
           </p:cNvPr>
@@ -1169,7 +1169,7 @@
           <p:cNvPr id="6" name="灯片编号占位符 5">
             <a:extLst>
               <a:ext uri="{FF2B5EF4-FFF2-40B4-BE49-F238E27FC236}">
-                <a16:creationId xmlns:a16="http://schemas.microsoft.com/office/drawing/2014/main" id="{70BBE014-D951-4D59-A0F0-B9120B5A3B7B}"/>
+                <a16:creationId xmlns:a16="http://schemas.microsoft.com/office/drawing/2014/main" id="{66B6FB22-D638-3C57-066E-0010E5D5F515}"/>
               </a:ext>
             </a:extLst>
           </p:cNvPr>
@@ -1185,7 +1185,7 @@
           <a:bodyPr/>
           <a:lstStyle/>
           <a:p>
-            <a:fld id="{7B93CEB6-840A-47AF-858D-14B128E2E7D9}" type="slidenum">
+            <a:fld id="{549D91FA-B109-4A90-9D69-A348CD765F44}" type="slidenum">
               <a:rPr lang="zh-CN" altLang="en-US" smtClean="0"/>
               <a:t>‹#›</a:t>
             </a:fld>
@@ -1196,7 +1196,7 @@
     </p:spTree>
     <p:extLst>
       <p:ext uri="{BB962C8B-B14F-4D97-AF65-F5344CB8AC3E}">
-        <p14:creationId xmlns:p14="http://schemas.microsoft.com/office/powerpoint/2010/main" val="4255520740"/>
+        <p14:creationId xmlns:p14="http://schemas.microsoft.com/office/powerpoint/2010/main" val="2609839156"/>
       </p:ext>
     </p:extLst>
   </p:cSld>
@@ -1228,7 +1228,7 @@
           <p:cNvPr id="2" name="标题 1">
             <a:extLst>
               <a:ext uri="{FF2B5EF4-FFF2-40B4-BE49-F238E27FC236}">
-                <a16:creationId xmlns:a16="http://schemas.microsoft.com/office/drawing/2014/main" id="{0E81A0F5-DEE3-DF98-928F-E7D46C8724A6}"/>
+                <a16:creationId xmlns:a16="http://schemas.microsoft.com/office/drawing/2014/main" id="{29963206-9A16-D7BE-C66E-0750602B35CD}"/>
               </a:ext>
             </a:extLst>
           </p:cNvPr>
@@ -1256,7 +1256,7 @@
           <p:cNvPr id="3" name="内容占位符 2">
             <a:extLst>
               <a:ext uri="{FF2B5EF4-FFF2-40B4-BE49-F238E27FC236}">
-                <a16:creationId xmlns:a16="http://schemas.microsoft.com/office/drawing/2014/main" id="{BE015737-43F5-620A-00BD-DD7BDEA8A60B}"/>
+                <a16:creationId xmlns:a16="http://schemas.microsoft.com/office/drawing/2014/main" id="{7AF5D699-C4C7-1F53-762F-609826A2C705}"/>
               </a:ext>
             </a:extLst>
           </p:cNvPr>
@@ -1318,7 +1318,7 @@
           <p:cNvPr id="4" name="内容占位符 3">
             <a:extLst>
               <a:ext uri="{FF2B5EF4-FFF2-40B4-BE49-F238E27FC236}">
-                <a16:creationId xmlns:a16="http://schemas.microsoft.com/office/drawing/2014/main" id="{89E5F843-E411-6855-6C80-F5AFC1BD2EF8}"/>
+                <a16:creationId xmlns:a16="http://schemas.microsoft.com/office/drawing/2014/main" id="{1199A279-94D3-C12A-CEE6-2B6443BE9EFF}"/>
               </a:ext>
             </a:extLst>
           </p:cNvPr>
@@ -1380,7 +1380,7 @@
           <p:cNvPr id="5" name="日期占位符 4">
             <a:extLst>
               <a:ext uri="{FF2B5EF4-FFF2-40B4-BE49-F238E27FC236}">
-                <a16:creationId xmlns:a16="http://schemas.microsoft.com/office/drawing/2014/main" id="{645BB1E9-B13A-3048-50EB-03DB2F3DBB39}"/>
+                <a16:creationId xmlns:a16="http://schemas.microsoft.com/office/drawing/2014/main" id="{1D7AFA07-B536-EF93-96DB-9AE7765B5F0E}"/>
               </a:ext>
             </a:extLst>
           </p:cNvPr>
@@ -1396,7 +1396,7 @@
           <a:bodyPr/>
           <a:lstStyle/>
           <a:p>
-            <a:fld id="{C4CE1C34-35F4-47B6-A406-67D3D0C414A5}" type="datetimeFigureOut">
+            <a:fld id="{C7C67D3D-618F-4F07-AE4B-AEF72F4D18A0}" type="datetimeFigureOut">
               <a:rPr lang="zh-CN" altLang="en-US" smtClean="0"/>
               <a:t>2024/3/10</a:t>
             </a:fld>
@@ -1409,7 +1409,7 @@
           <p:cNvPr id="6" name="页脚占位符 5">
             <a:extLst>
               <a:ext uri="{FF2B5EF4-FFF2-40B4-BE49-F238E27FC236}">
-                <a16:creationId xmlns:a16="http://schemas.microsoft.com/office/drawing/2014/main" id="{7395D043-B8EF-0D46-00D8-0754738826D5}"/>
+                <a16:creationId xmlns:a16="http://schemas.microsoft.com/office/drawing/2014/main" id="{84F337D7-04A2-F082-EA84-CC7DA8030AE9}"/>
               </a:ext>
             </a:extLst>
           </p:cNvPr>
@@ -1434,7 +1434,7 @@
           <p:cNvPr id="7" name="灯片编号占位符 6">
             <a:extLst>
               <a:ext uri="{FF2B5EF4-FFF2-40B4-BE49-F238E27FC236}">
-                <a16:creationId xmlns:a16="http://schemas.microsoft.com/office/drawing/2014/main" id="{F29BBC66-FFA4-40D0-DCF4-7ED3DC484C99}"/>
+                <a16:creationId xmlns:a16="http://schemas.microsoft.com/office/drawing/2014/main" id="{4378DA0D-FAAA-5D63-4738-93C1858ECB6E}"/>
               </a:ext>
             </a:extLst>
           </p:cNvPr>
@@ -1450,7 +1450,7 @@
           <a:bodyPr/>
           <a:lstStyle/>
           <a:p>
-            <a:fld id="{7B93CEB6-840A-47AF-858D-14B128E2E7D9}" type="slidenum">
+            <a:fld id="{549D91FA-B109-4A90-9D69-A348CD765F44}" type="slidenum">
               <a:rPr lang="zh-CN" altLang="en-US" smtClean="0"/>
               <a:t>‹#›</a:t>
             </a:fld>
@@ -1461,7 +1461,7 @@
     </p:spTree>
     <p:extLst>
       <p:ext uri="{BB962C8B-B14F-4D97-AF65-F5344CB8AC3E}">
-        <p14:creationId xmlns:p14="http://schemas.microsoft.com/office/powerpoint/2010/main" val="884728838"/>
+        <p14:creationId xmlns:p14="http://schemas.microsoft.com/office/powerpoint/2010/main" val="3546734730"/>
       </p:ext>
     </p:extLst>
   </p:cSld>
@@ -1493,7 +1493,7 @@
           <p:cNvPr id="2" name="标题 1">
             <a:extLst>
               <a:ext uri="{FF2B5EF4-FFF2-40B4-BE49-F238E27FC236}">
-                <a16:creationId xmlns:a16="http://schemas.microsoft.com/office/drawing/2014/main" id="{0E59559F-6B2F-82EB-A047-0589DA38689B}"/>
+                <a16:creationId xmlns:a16="http://schemas.microsoft.com/office/drawing/2014/main" id="{7D603621-7036-E0B8-EC93-1ED260904900}"/>
               </a:ext>
             </a:extLst>
           </p:cNvPr>
@@ -1526,7 +1526,7 @@
           <p:cNvPr id="3" name="文本占位符 2">
             <a:extLst>
               <a:ext uri="{FF2B5EF4-FFF2-40B4-BE49-F238E27FC236}">
-                <a16:creationId xmlns:a16="http://schemas.microsoft.com/office/drawing/2014/main" id="{99231450-FB73-E4A7-B0D0-FA28AD42C57D}"/>
+                <a16:creationId xmlns:a16="http://schemas.microsoft.com/office/drawing/2014/main" id="{5611BE36-5713-D677-B640-500EA4D7DBA1}"/>
               </a:ext>
             </a:extLst>
           </p:cNvPr>
@@ -1597,7 +1597,7 @@
           <p:cNvPr id="4" name="内容占位符 3">
             <a:extLst>
               <a:ext uri="{FF2B5EF4-FFF2-40B4-BE49-F238E27FC236}">
-                <a16:creationId xmlns:a16="http://schemas.microsoft.com/office/drawing/2014/main" id="{BA4E426F-7ED6-F505-77ED-7A5E78D017FB}"/>
+                <a16:creationId xmlns:a16="http://schemas.microsoft.com/office/drawing/2014/main" id="{5A26F564-7A9F-44C9-906E-081A04AE51F9}"/>
               </a:ext>
             </a:extLst>
           </p:cNvPr>
@@ -1659,7 +1659,7 @@
           <p:cNvPr id="5" name="文本占位符 4">
             <a:extLst>
               <a:ext uri="{FF2B5EF4-FFF2-40B4-BE49-F238E27FC236}">
-                <a16:creationId xmlns:a16="http://schemas.microsoft.com/office/drawing/2014/main" id="{8B86F2AE-B7D0-BE70-78E0-8257E0C77BDE}"/>
+                <a16:creationId xmlns:a16="http://schemas.microsoft.com/office/drawing/2014/main" id="{4F43D433-7527-C401-16E9-ED98A7B0FC8E}"/>
               </a:ext>
             </a:extLst>
           </p:cNvPr>
@@ -1730,7 +1730,7 @@
           <p:cNvPr id="6" name="内容占位符 5">
             <a:extLst>
               <a:ext uri="{FF2B5EF4-FFF2-40B4-BE49-F238E27FC236}">
-                <a16:creationId xmlns:a16="http://schemas.microsoft.com/office/drawing/2014/main" id="{5B11B650-D596-1838-BCC9-3F8EF13DA54A}"/>
+                <a16:creationId xmlns:a16="http://schemas.microsoft.com/office/drawing/2014/main" id="{1701F27B-8914-B0D8-3572-5D129AB85DBC}"/>
               </a:ext>
             </a:extLst>
           </p:cNvPr>
@@ -1792,7 +1792,7 @@
           <p:cNvPr id="7" name="日期占位符 6">
             <a:extLst>
               <a:ext uri="{FF2B5EF4-FFF2-40B4-BE49-F238E27FC236}">
-                <a16:creationId xmlns:a16="http://schemas.microsoft.com/office/drawing/2014/main" id="{ED2A25CA-1339-7187-A502-BE69C98FE278}"/>
+                <a16:creationId xmlns:a16="http://schemas.microsoft.com/office/drawing/2014/main" id="{F6F36741-154B-0CB8-0C49-5F2811F92CF9}"/>
               </a:ext>
             </a:extLst>
           </p:cNvPr>
@@ -1808,7 +1808,7 @@
           <a:bodyPr/>
           <a:lstStyle/>
           <a:p>
-            <a:fld id="{C4CE1C34-35F4-47B6-A406-67D3D0C414A5}" type="datetimeFigureOut">
+            <a:fld id="{C7C67D3D-618F-4F07-AE4B-AEF72F4D18A0}" type="datetimeFigureOut">
               <a:rPr lang="zh-CN" altLang="en-US" smtClean="0"/>
               <a:t>2024/3/10</a:t>
             </a:fld>
@@ -1821,7 +1821,7 @@
           <p:cNvPr id="8" name="页脚占位符 7">
             <a:extLst>
               <a:ext uri="{FF2B5EF4-FFF2-40B4-BE49-F238E27FC236}">
-                <a16:creationId xmlns:a16="http://schemas.microsoft.com/office/drawing/2014/main" id="{E0C2EEA8-BC3F-288A-CDDF-B2BF9823C562}"/>
+                <a16:creationId xmlns:a16="http://schemas.microsoft.com/office/drawing/2014/main" id="{DCADC426-3A3C-B016-24D4-9E0EBB2BA4BF}"/>
               </a:ext>
             </a:extLst>
           </p:cNvPr>
@@ -1846,7 +1846,7 @@
           <p:cNvPr id="9" name="灯片编号占位符 8">
             <a:extLst>
               <a:ext uri="{FF2B5EF4-FFF2-40B4-BE49-F238E27FC236}">
-                <a16:creationId xmlns:a16="http://schemas.microsoft.com/office/drawing/2014/main" id="{B3DFADE5-E435-606D-2B20-59F077FF3E99}"/>
+                <a16:creationId xmlns:a16="http://schemas.microsoft.com/office/drawing/2014/main" id="{BF36A724-1E95-037C-B637-3C9028D40743}"/>
               </a:ext>
             </a:extLst>
           </p:cNvPr>
@@ -1862,7 +1862,7 @@
           <a:bodyPr/>
           <a:lstStyle/>
           <a:p>
-            <a:fld id="{7B93CEB6-840A-47AF-858D-14B128E2E7D9}" type="slidenum">
+            <a:fld id="{549D91FA-B109-4A90-9D69-A348CD765F44}" type="slidenum">
               <a:rPr lang="zh-CN" altLang="en-US" smtClean="0"/>
               <a:t>‹#›</a:t>
             </a:fld>
@@ -1873,7 +1873,7 @@
     </p:spTree>
     <p:extLst>
       <p:ext uri="{BB962C8B-B14F-4D97-AF65-F5344CB8AC3E}">
-        <p14:creationId xmlns:p14="http://schemas.microsoft.com/office/powerpoint/2010/main" val="2330591011"/>
+        <p14:creationId xmlns:p14="http://schemas.microsoft.com/office/powerpoint/2010/main" val="3009861137"/>
       </p:ext>
     </p:extLst>
   </p:cSld>
@@ -1905,7 +1905,7 @@
           <p:cNvPr id="2" name="标题 1">
             <a:extLst>
               <a:ext uri="{FF2B5EF4-FFF2-40B4-BE49-F238E27FC236}">
-                <a16:creationId xmlns:a16="http://schemas.microsoft.com/office/drawing/2014/main" id="{A27ED30A-B928-EEEC-02D8-86823D39F31A}"/>
+                <a16:creationId xmlns:a16="http://schemas.microsoft.com/office/drawing/2014/main" id="{FAC39D1F-945A-FB3E-F073-26AFE763BB96}"/>
               </a:ext>
             </a:extLst>
           </p:cNvPr>
@@ -1933,7 +1933,7 @@
           <p:cNvPr id="3" name="日期占位符 2">
             <a:extLst>
               <a:ext uri="{FF2B5EF4-FFF2-40B4-BE49-F238E27FC236}">
-                <a16:creationId xmlns:a16="http://schemas.microsoft.com/office/drawing/2014/main" id="{EADF195A-D42C-EF4E-9770-6A3F1D9E9D6B}"/>
+                <a16:creationId xmlns:a16="http://schemas.microsoft.com/office/drawing/2014/main" id="{768FBC26-ACB8-A13C-7DA8-E890E43F59EA}"/>
               </a:ext>
             </a:extLst>
           </p:cNvPr>
@@ -1949,7 +1949,7 @@
           <a:bodyPr/>
           <a:lstStyle/>
           <a:p>
-            <a:fld id="{C4CE1C34-35F4-47B6-A406-67D3D0C414A5}" type="datetimeFigureOut">
+            <a:fld id="{C7C67D3D-618F-4F07-AE4B-AEF72F4D18A0}" type="datetimeFigureOut">
               <a:rPr lang="zh-CN" altLang="en-US" smtClean="0"/>
               <a:t>2024/3/10</a:t>
             </a:fld>
@@ -1962,7 +1962,7 @@
           <p:cNvPr id="4" name="页脚占位符 3">
             <a:extLst>
               <a:ext uri="{FF2B5EF4-FFF2-40B4-BE49-F238E27FC236}">
-                <a16:creationId xmlns:a16="http://schemas.microsoft.com/office/drawing/2014/main" id="{F8C47557-5E86-DBBC-156C-00D1DE02E970}"/>
+                <a16:creationId xmlns:a16="http://schemas.microsoft.com/office/drawing/2014/main" id="{7227C292-AEA5-E0EA-DEA8-187A2F428573}"/>
               </a:ext>
             </a:extLst>
           </p:cNvPr>
@@ -1987,7 +1987,7 @@
           <p:cNvPr id="5" name="灯片编号占位符 4">
             <a:extLst>
               <a:ext uri="{FF2B5EF4-FFF2-40B4-BE49-F238E27FC236}">
-                <a16:creationId xmlns:a16="http://schemas.microsoft.com/office/drawing/2014/main" id="{CE18D3B5-8DDE-A566-B9C0-5F2517165258}"/>
+                <a16:creationId xmlns:a16="http://schemas.microsoft.com/office/drawing/2014/main" id="{424E1818-B4F2-961A-EB2D-F434EF7810A9}"/>
               </a:ext>
             </a:extLst>
           </p:cNvPr>
@@ -2003,7 +2003,7 @@
           <a:bodyPr/>
           <a:lstStyle/>
           <a:p>
-            <a:fld id="{7B93CEB6-840A-47AF-858D-14B128E2E7D9}" type="slidenum">
+            <a:fld id="{549D91FA-B109-4A90-9D69-A348CD765F44}" type="slidenum">
               <a:rPr lang="zh-CN" altLang="en-US" smtClean="0"/>
               <a:t>‹#›</a:t>
             </a:fld>
@@ -2014,7 +2014,7 @@
     </p:spTree>
     <p:extLst>
       <p:ext uri="{BB962C8B-B14F-4D97-AF65-F5344CB8AC3E}">
-        <p14:creationId xmlns:p14="http://schemas.microsoft.com/office/powerpoint/2010/main" val="3987230018"/>
+        <p14:creationId xmlns:p14="http://schemas.microsoft.com/office/powerpoint/2010/main" val="77929791"/>
       </p:ext>
     </p:extLst>
   </p:cSld>
@@ -2046,7 +2046,7 @@
           <p:cNvPr id="2" name="日期占位符 1">
             <a:extLst>
               <a:ext uri="{FF2B5EF4-FFF2-40B4-BE49-F238E27FC236}">
-                <a16:creationId xmlns:a16="http://schemas.microsoft.com/office/drawing/2014/main" id="{4B7D6D25-DB0A-960C-89AA-0AACE324B92B}"/>
+                <a16:creationId xmlns:a16="http://schemas.microsoft.com/office/drawing/2014/main" id="{2B100664-A9EF-D144-36C0-544240EAAE41}"/>
               </a:ext>
             </a:extLst>
           </p:cNvPr>
@@ -2062,7 +2062,7 @@
           <a:bodyPr/>
           <a:lstStyle/>
           <a:p>
-            <a:fld id="{C4CE1C34-35F4-47B6-A406-67D3D0C414A5}" type="datetimeFigureOut">
+            <a:fld id="{C7C67D3D-618F-4F07-AE4B-AEF72F4D18A0}" type="datetimeFigureOut">
               <a:rPr lang="zh-CN" altLang="en-US" smtClean="0"/>
               <a:t>2024/3/10</a:t>
             </a:fld>
@@ -2075,7 +2075,7 @@
           <p:cNvPr id="3" name="页脚占位符 2">
             <a:extLst>
               <a:ext uri="{FF2B5EF4-FFF2-40B4-BE49-F238E27FC236}">
-                <a16:creationId xmlns:a16="http://schemas.microsoft.com/office/drawing/2014/main" id="{64037796-6479-F493-A561-01D28B0772B7}"/>
+                <a16:creationId xmlns:a16="http://schemas.microsoft.com/office/drawing/2014/main" id="{CD707CD8-B345-E044-F5D1-2F1B551A9995}"/>
               </a:ext>
             </a:extLst>
           </p:cNvPr>
@@ -2100,7 +2100,7 @@
           <p:cNvPr id="4" name="灯片编号占位符 3">
             <a:extLst>
               <a:ext uri="{FF2B5EF4-FFF2-40B4-BE49-F238E27FC236}">
-                <a16:creationId xmlns:a16="http://schemas.microsoft.com/office/drawing/2014/main" id="{6414D63E-6128-368C-E74C-88FCB1EBE8A0}"/>
+                <a16:creationId xmlns:a16="http://schemas.microsoft.com/office/drawing/2014/main" id="{D4AC660E-4E6F-E3D6-C4CE-942833B71B7C}"/>
               </a:ext>
             </a:extLst>
           </p:cNvPr>
@@ -2116,7 +2116,7 @@
           <a:bodyPr/>
           <a:lstStyle/>
           <a:p>
-            <a:fld id="{7B93CEB6-840A-47AF-858D-14B128E2E7D9}" type="slidenum">
+            <a:fld id="{549D91FA-B109-4A90-9D69-A348CD765F44}" type="slidenum">
               <a:rPr lang="zh-CN" altLang="en-US" smtClean="0"/>
               <a:t>‹#›</a:t>
             </a:fld>
@@ -2127,7 +2127,7 @@
     </p:spTree>
     <p:extLst>
       <p:ext uri="{BB962C8B-B14F-4D97-AF65-F5344CB8AC3E}">
-        <p14:creationId xmlns:p14="http://schemas.microsoft.com/office/powerpoint/2010/main" val="3064701120"/>
+        <p14:creationId xmlns:p14="http://schemas.microsoft.com/office/powerpoint/2010/main" val="1167382939"/>
       </p:ext>
     </p:extLst>
   </p:cSld>
@@ -2159,7 +2159,7 @@
           <p:cNvPr id="2" name="标题 1">
             <a:extLst>
               <a:ext uri="{FF2B5EF4-FFF2-40B4-BE49-F238E27FC236}">
-                <a16:creationId xmlns:a16="http://schemas.microsoft.com/office/drawing/2014/main" id="{EB0997F4-3671-3EDA-40AC-AC240157622E}"/>
+                <a16:creationId xmlns:a16="http://schemas.microsoft.com/office/drawing/2014/main" id="{6E38C878-5DE4-B379-9FBA-7E1CE5617EA1}"/>
               </a:ext>
             </a:extLst>
           </p:cNvPr>
@@ -2196,7 +2196,7 @@
           <p:cNvPr id="3" name="内容占位符 2">
             <a:extLst>
               <a:ext uri="{FF2B5EF4-FFF2-40B4-BE49-F238E27FC236}">
-                <a16:creationId xmlns:a16="http://schemas.microsoft.com/office/drawing/2014/main" id="{18A7F129-22FF-2BC6-3E01-665CA26A2617}"/>
+                <a16:creationId xmlns:a16="http://schemas.microsoft.com/office/drawing/2014/main" id="{B1D05356-60AB-D8CA-5F5A-7156D68E9082}"/>
               </a:ext>
             </a:extLst>
           </p:cNvPr>
@@ -2286,7 +2286,7 @@
           <p:cNvPr id="4" name="文本占位符 3">
             <a:extLst>
               <a:ext uri="{FF2B5EF4-FFF2-40B4-BE49-F238E27FC236}">
-                <a16:creationId xmlns:a16="http://schemas.microsoft.com/office/drawing/2014/main" id="{92FD4384-E5B6-EC0A-D3D0-E62250F74A4B}"/>
+                <a16:creationId xmlns:a16="http://schemas.microsoft.com/office/drawing/2014/main" id="{54FD977A-C2C0-51FC-D501-8B2E987AADC3}"/>
               </a:ext>
             </a:extLst>
           </p:cNvPr>
@@ -2357,7 +2357,7 @@
           <p:cNvPr id="5" name="日期占位符 4">
             <a:extLst>
               <a:ext uri="{FF2B5EF4-FFF2-40B4-BE49-F238E27FC236}">
-                <a16:creationId xmlns:a16="http://schemas.microsoft.com/office/drawing/2014/main" id="{98F995D5-0853-50CA-A7A7-1410D842F848}"/>
+                <a16:creationId xmlns:a16="http://schemas.microsoft.com/office/drawing/2014/main" id="{5E86DD82-9721-0EF5-F752-C6714DD7D584}"/>
               </a:ext>
             </a:extLst>
           </p:cNvPr>
@@ -2373,7 +2373,7 @@
           <a:bodyPr/>
           <a:lstStyle/>
           <a:p>
-            <a:fld id="{C4CE1C34-35F4-47B6-A406-67D3D0C414A5}" type="datetimeFigureOut">
+            <a:fld id="{C7C67D3D-618F-4F07-AE4B-AEF72F4D18A0}" type="datetimeFigureOut">
               <a:rPr lang="zh-CN" altLang="en-US" smtClean="0"/>
               <a:t>2024/3/10</a:t>
             </a:fld>
@@ -2386,7 +2386,7 @@
           <p:cNvPr id="6" name="页脚占位符 5">
             <a:extLst>
               <a:ext uri="{FF2B5EF4-FFF2-40B4-BE49-F238E27FC236}">
-                <a16:creationId xmlns:a16="http://schemas.microsoft.com/office/drawing/2014/main" id="{5BF119CC-2F55-93D9-6A95-5A7C6B8D58CA}"/>
+                <a16:creationId xmlns:a16="http://schemas.microsoft.com/office/drawing/2014/main" id="{48ADDA75-1B83-DF37-D54D-954F536FFF68}"/>
               </a:ext>
             </a:extLst>
           </p:cNvPr>
@@ -2411,7 +2411,7 @@
           <p:cNvPr id="7" name="灯片编号占位符 6">
             <a:extLst>
               <a:ext uri="{FF2B5EF4-FFF2-40B4-BE49-F238E27FC236}">
-                <a16:creationId xmlns:a16="http://schemas.microsoft.com/office/drawing/2014/main" id="{A9D907A8-0331-5B70-D9FF-615DBE1337E9}"/>
+                <a16:creationId xmlns:a16="http://schemas.microsoft.com/office/drawing/2014/main" id="{3CCC8284-CBE0-1CB8-C78A-E88D53E69E58}"/>
               </a:ext>
             </a:extLst>
           </p:cNvPr>
@@ -2427,7 +2427,7 @@
           <a:bodyPr/>
           <a:lstStyle/>
           <a:p>
-            <a:fld id="{7B93CEB6-840A-47AF-858D-14B128E2E7D9}" type="slidenum">
+            <a:fld id="{549D91FA-B109-4A90-9D69-A348CD765F44}" type="slidenum">
               <a:rPr lang="zh-CN" altLang="en-US" smtClean="0"/>
               <a:t>‹#›</a:t>
             </a:fld>
@@ -2438,7 +2438,7 @@
     </p:spTree>
     <p:extLst>
       <p:ext uri="{BB962C8B-B14F-4D97-AF65-F5344CB8AC3E}">
-        <p14:creationId xmlns:p14="http://schemas.microsoft.com/office/powerpoint/2010/main" val="3951678314"/>
+        <p14:creationId xmlns:p14="http://schemas.microsoft.com/office/powerpoint/2010/main" val="3839219457"/>
       </p:ext>
     </p:extLst>
   </p:cSld>
@@ -2470,7 +2470,7 @@
           <p:cNvPr id="2" name="标题 1">
             <a:extLst>
               <a:ext uri="{FF2B5EF4-FFF2-40B4-BE49-F238E27FC236}">
-                <a16:creationId xmlns:a16="http://schemas.microsoft.com/office/drawing/2014/main" id="{B01AEC47-A026-0F26-8586-29B981E6A143}"/>
+                <a16:creationId xmlns:a16="http://schemas.microsoft.com/office/drawing/2014/main" id="{77860BDA-64AB-8A83-C0C1-45CAAA76E343}"/>
               </a:ext>
             </a:extLst>
           </p:cNvPr>
@@ -2507,7 +2507,7 @@
           <p:cNvPr id="3" name="图片占位符 2">
             <a:extLst>
               <a:ext uri="{FF2B5EF4-FFF2-40B4-BE49-F238E27FC236}">
-                <a16:creationId xmlns:a16="http://schemas.microsoft.com/office/drawing/2014/main" id="{54D2F664-4A6C-5F2B-40B5-92644AF32A08}"/>
+                <a16:creationId xmlns:a16="http://schemas.microsoft.com/office/drawing/2014/main" id="{421A1302-379D-778D-B63C-3EB56A8573DC}"/>
               </a:ext>
             </a:extLst>
           </p:cNvPr>
@@ -2574,7 +2574,7 @@
           <p:cNvPr id="4" name="文本占位符 3">
             <a:extLst>
               <a:ext uri="{FF2B5EF4-FFF2-40B4-BE49-F238E27FC236}">
-                <a16:creationId xmlns:a16="http://schemas.microsoft.com/office/drawing/2014/main" id="{BC927A00-2047-D589-CDE7-DF6FF0E3628F}"/>
+                <a16:creationId xmlns:a16="http://schemas.microsoft.com/office/drawing/2014/main" id="{22D8912B-8E26-13E3-C1D4-495F9B968479}"/>
               </a:ext>
             </a:extLst>
           </p:cNvPr>
@@ -2645,7 +2645,7 @@
           <p:cNvPr id="5" name="日期占位符 4">
             <a:extLst>
               <a:ext uri="{FF2B5EF4-FFF2-40B4-BE49-F238E27FC236}">
-                <a16:creationId xmlns:a16="http://schemas.microsoft.com/office/drawing/2014/main" id="{59886DBD-52F4-CDE9-F997-90695A0A0262}"/>
+                <a16:creationId xmlns:a16="http://schemas.microsoft.com/office/drawing/2014/main" id="{1C29C607-5126-A677-74CA-405B3EF89194}"/>
               </a:ext>
             </a:extLst>
           </p:cNvPr>
@@ -2661,7 +2661,7 @@
           <a:bodyPr/>
           <a:lstStyle/>
           <a:p>
-            <a:fld id="{C4CE1C34-35F4-47B6-A406-67D3D0C414A5}" type="datetimeFigureOut">
+            <a:fld id="{C7C67D3D-618F-4F07-AE4B-AEF72F4D18A0}" type="datetimeFigureOut">
               <a:rPr lang="zh-CN" altLang="en-US" smtClean="0"/>
               <a:t>2024/3/10</a:t>
             </a:fld>
@@ -2674,7 +2674,7 @@
           <p:cNvPr id="6" name="页脚占位符 5">
             <a:extLst>
               <a:ext uri="{FF2B5EF4-FFF2-40B4-BE49-F238E27FC236}">
-                <a16:creationId xmlns:a16="http://schemas.microsoft.com/office/drawing/2014/main" id="{059ECF4E-920E-50AD-4244-F1FED24D2AA8}"/>
+                <a16:creationId xmlns:a16="http://schemas.microsoft.com/office/drawing/2014/main" id="{C8FAB6A6-4B09-D456-0B44-9EE02ACB7C33}"/>
               </a:ext>
             </a:extLst>
           </p:cNvPr>
@@ -2699,7 +2699,7 @@
           <p:cNvPr id="7" name="灯片编号占位符 6">
             <a:extLst>
               <a:ext uri="{FF2B5EF4-FFF2-40B4-BE49-F238E27FC236}">
-                <a16:creationId xmlns:a16="http://schemas.microsoft.com/office/drawing/2014/main" id="{8C2D8237-7FB9-141C-214E-3CD478BBBF4F}"/>
+                <a16:creationId xmlns:a16="http://schemas.microsoft.com/office/drawing/2014/main" id="{780E6F64-7644-1615-0728-424B798B2975}"/>
               </a:ext>
             </a:extLst>
           </p:cNvPr>
@@ -2715,7 +2715,7 @@
           <a:bodyPr/>
           <a:lstStyle/>
           <a:p>
-            <a:fld id="{7B93CEB6-840A-47AF-858D-14B128E2E7D9}" type="slidenum">
+            <a:fld id="{549D91FA-B109-4A90-9D69-A348CD765F44}" type="slidenum">
               <a:rPr lang="zh-CN" altLang="en-US" smtClean="0"/>
               <a:t>‹#›</a:t>
             </a:fld>
@@ -2726,7 +2726,7 @@
     </p:spTree>
     <p:extLst>
       <p:ext uri="{BB962C8B-B14F-4D97-AF65-F5344CB8AC3E}">
-        <p14:creationId xmlns:p14="http://schemas.microsoft.com/office/powerpoint/2010/main" val="469250135"/>
+        <p14:creationId xmlns:p14="http://schemas.microsoft.com/office/powerpoint/2010/main" val="2865683146"/>
       </p:ext>
     </p:extLst>
   </p:cSld>
@@ -2763,7 +2763,7 @@
           <p:cNvPr id="2" name="标题占位符 1">
             <a:extLst>
               <a:ext uri="{FF2B5EF4-FFF2-40B4-BE49-F238E27FC236}">
-                <a16:creationId xmlns:a16="http://schemas.microsoft.com/office/drawing/2014/main" id="{03ED0EEC-1FA4-9F2A-2E4A-1AB5290AE43D}"/>
+                <a16:creationId xmlns:a16="http://schemas.microsoft.com/office/drawing/2014/main" id="{DD2832B0-F840-6589-47D7-8A27FFA19AD0}"/>
               </a:ext>
             </a:extLst>
           </p:cNvPr>
@@ -2801,7 +2801,7 @@
           <p:cNvPr id="3" name="文本占位符 2">
             <a:extLst>
               <a:ext uri="{FF2B5EF4-FFF2-40B4-BE49-F238E27FC236}">
-                <a16:creationId xmlns:a16="http://schemas.microsoft.com/office/drawing/2014/main" id="{46E44601-9476-9379-ED7A-8BC22B558FE2}"/>
+                <a16:creationId xmlns:a16="http://schemas.microsoft.com/office/drawing/2014/main" id="{D5BA919B-2DAE-FEF5-5859-3343C3D138CA}"/>
               </a:ext>
             </a:extLst>
           </p:cNvPr>
@@ -2868,7 +2868,7 @@
           <p:cNvPr id="4" name="日期占位符 3">
             <a:extLst>
               <a:ext uri="{FF2B5EF4-FFF2-40B4-BE49-F238E27FC236}">
-                <a16:creationId xmlns:a16="http://schemas.microsoft.com/office/drawing/2014/main" id="{E9B0EC9F-334F-00A0-AB5B-907F763E6E6F}"/>
+                <a16:creationId xmlns:a16="http://schemas.microsoft.com/office/drawing/2014/main" id="{47A865B2-0FE8-18CF-E252-8C9E0DB8063A}"/>
               </a:ext>
             </a:extLst>
           </p:cNvPr>
@@ -2902,7 +2902,7 @@
             </a:lvl1pPr>
           </a:lstStyle>
           <a:p>
-            <a:fld id="{C4CE1C34-35F4-47B6-A406-67D3D0C414A5}" type="datetimeFigureOut">
+            <a:fld id="{C7C67D3D-618F-4F07-AE4B-AEF72F4D18A0}" type="datetimeFigureOut">
               <a:rPr lang="zh-CN" altLang="en-US" smtClean="0"/>
               <a:t>2024/3/10</a:t>
             </a:fld>
@@ -2915,7 +2915,7 @@
           <p:cNvPr id="5" name="页脚占位符 4">
             <a:extLst>
               <a:ext uri="{FF2B5EF4-FFF2-40B4-BE49-F238E27FC236}">
-                <a16:creationId xmlns:a16="http://schemas.microsoft.com/office/drawing/2014/main" id="{E9CE2485-2737-E84A-FB69-A3D7CDE684A2}"/>
+                <a16:creationId xmlns:a16="http://schemas.microsoft.com/office/drawing/2014/main" id="{EAC6F1D2-B9A8-E144-A2D0-4CA44021FE4A}"/>
               </a:ext>
             </a:extLst>
           </p:cNvPr>
@@ -2958,7 +2958,7 @@
           <p:cNvPr id="6" name="灯片编号占位符 5">
             <a:extLst>
               <a:ext uri="{FF2B5EF4-FFF2-40B4-BE49-F238E27FC236}">
-                <a16:creationId xmlns:a16="http://schemas.microsoft.com/office/drawing/2014/main" id="{CF5F2A02-E543-BA1E-12C5-679540AB9509}"/>
+                <a16:creationId xmlns:a16="http://schemas.microsoft.com/office/drawing/2014/main" id="{3BD01658-9786-5F3E-7866-675DA67CF23D}"/>
               </a:ext>
             </a:extLst>
           </p:cNvPr>
@@ -2992,7 +2992,7 @@
             </a:lvl1pPr>
           </a:lstStyle>
           <a:p>
-            <a:fld id="{7B93CEB6-840A-47AF-858D-14B128E2E7D9}" type="slidenum">
+            <a:fld id="{549D91FA-B109-4A90-9D69-A348CD765F44}" type="slidenum">
               <a:rPr lang="zh-CN" altLang="en-US" smtClean="0"/>
               <a:t>‹#›</a:t>
             </a:fld>
@@ -3003,7 +3003,7 @@
     </p:spTree>
     <p:extLst>
       <p:ext uri="{BB962C8B-B14F-4D97-AF65-F5344CB8AC3E}">
-        <p14:creationId xmlns:p14="http://schemas.microsoft.com/office/powerpoint/2010/main" val="1920785453"/>
+        <p14:creationId xmlns:p14="http://schemas.microsoft.com/office/powerpoint/2010/main" val="1263316505"/>
       </p:ext>
     </p:extLst>
   </p:cSld>
